--- a/FTC/2018/Intro to FTC Code.pptx
+++ b/FTC/2018/Intro to FTC Code.pptx
@@ -4,6 +4,9 @@
   <p:sldMasterIdLst>
     <p:sldMasterId id="2147483648" r:id="rId1"/>
   </p:sldMasterIdLst>
+  <p:notesMasterIdLst>
+    <p:notesMasterId r:id="rId18"/>
+  </p:notesMasterIdLst>
   <p:sldIdLst>
     <p:sldId id="256" r:id="rId2"/>
     <p:sldId id="257" r:id="rId3"/>
@@ -119,11 +122,361 @@
       </a:defRPr>
     </a:lvl9pPr>
   </p:defaultTextStyle>
+  <p:extLst>
+    <p:ext uri="{EFAFB233-063F-42B5-8137-9DF3F51BA10A}">
+      <p15:sldGuideLst xmlns:p15="http://schemas.microsoft.com/office/powerpoint/2012/main"/>
+    </p:ext>
+  </p:extLst>
 </p:presentation>
 </file>
 
-<file path=ppt/revisionInfo.xml><?xml version="1.0" encoding="utf-8"?>
-<p1510:revInfo xmlns:a="http://schemas.openxmlformats.org/drawingml/2006/main" xmlns:r="http://schemas.openxmlformats.org/officeDocument/2006/relationships" xmlns:p1510="http://schemas.microsoft.com/office/powerpoint/2015/10/main"/>
+<file path=ppt/notesMasters/notesMaster1.xml><?xml version="1.0" encoding="utf-8"?>
+<p:notesMaster xmlns:a="http://schemas.openxmlformats.org/drawingml/2006/main" xmlns:r="http://schemas.openxmlformats.org/officeDocument/2006/relationships" xmlns:p="http://schemas.openxmlformats.org/presentationml/2006/main">
+  <p:cSld>
+    <p:bg>
+      <p:bgRef idx="1001">
+        <a:schemeClr val="bg1"/>
+      </p:bgRef>
+    </p:bg>
+    <p:spTree>
+      <p:nvGrpSpPr>
+        <p:cNvPr id="1" name=""/>
+        <p:cNvGrpSpPr/>
+        <p:nvPr/>
+      </p:nvGrpSpPr>
+      <p:grpSpPr>
+        <a:xfrm>
+          <a:off x="0" y="0"/>
+          <a:ext cx="0" cy="0"/>
+          <a:chOff x="0" y="0"/>
+          <a:chExt cx="0" cy="0"/>
+        </a:xfrm>
+      </p:grpSpPr>
+      <p:sp>
+        <p:nvSpPr>
+          <p:cNvPr id="2" name="Header Placeholder 1"/>
+          <p:cNvSpPr>
+            <a:spLocks noGrp="1"/>
+          </p:cNvSpPr>
+          <p:nvPr>
+            <p:ph type="hdr" sz="quarter"/>
+          </p:nvPr>
+        </p:nvSpPr>
+        <p:spPr>
+          <a:xfrm>
+            <a:off x="0" y="0"/>
+            <a:ext cx="2971800" cy="458788"/>
+          </a:xfrm>
+          <a:prstGeom prst="rect">
+            <a:avLst/>
+          </a:prstGeom>
+        </p:spPr>
+        <p:txBody>
+          <a:bodyPr vert="horz" lIns="91440" tIns="45720" rIns="91440" bIns="45720" rtlCol="0"/>
+          <a:lstStyle>
+            <a:lvl1pPr algn="l">
+              <a:defRPr sz="1200"/>
+            </a:lvl1pPr>
+          </a:lstStyle>
+          <a:p>
+            <a:endParaRPr lang="en-US"/>
+          </a:p>
+        </p:txBody>
+      </p:sp>
+      <p:sp>
+        <p:nvSpPr>
+          <p:cNvPr id="3" name="Date Placeholder 2"/>
+          <p:cNvSpPr>
+            <a:spLocks noGrp="1"/>
+          </p:cNvSpPr>
+          <p:nvPr>
+            <p:ph type="dt" idx="1"/>
+          </p:nvPr>
+        </p:nvSpPr>
+        <p:spPr>
+          <a:xfrm>
+            <a:off x="3884613" y="0"/>
+            <a:ext cx="2971800" cy="458788"/>
+          </a:xfrm>
+          <a:prstGeom prst="rect">
+            <a:avLst/>
+          </a:prstGeom>
+        </p:spPr>
+        <p:txBody>
+          <a:bodyPr vert="horz" lIns="91440" tIns="45720" rIns="91440" bIns="45720" rtlCol="0"/>
+          <a:lstStyle>
+            <a:lvl1pPr algn="r">
+              <a:defRPr sz="1200"/>
+            </a:lvl1pPr>
+          </a:lstStyle>
+          <a:p>
+            <a:fld id="{911961E1-36B2-4545-A428-4604CE04AE58}" type="datetimeFigureOut">
+              <a:rPr lang="en-US" smtClean="0"/>
+              <a:t>9/3/2018</a:t>
+            </a:fld>
+            <a:endParaRPr lang="en-US"/>
+          </a:p>
+        </p:txBody>
+      </p:sp>
+      <p:sp>
+        <p:nvSpPr>
+          <p:cNvPr id="4" name="Slide Image Placeholder 3"/>
+          <p:cNvSpPr>
+            <a:spLocks noGrp="1" noRot="1" noChangeAspect="1"/>
+          </p:cNvSpPr>
+          <p:nvPr>
+            <p:ph type="sldImg" idx="2"/>
+          </p:nvPr>
+        </p:nvSpPr>
+        <p:spPr>
+          <a:xfrm>
+            <a:off x="685800" y="1143000"/>
+            <a:ext cx="5486400" cy="3086100"/>
+          </a:xfrm>
+          <a:prstGeom prst="rect">
+            <a:avLst/>
+          </a:prstGeom>
+          <a:noFill/>
+          <a:ln w="12700">
+            <a:solidFill>
+              <a:prstClr val="black"/>
+            </a:solidFill>
+          </a:ln>
+        </p:spPr>
+        <p:txBody>
+          <a:bodyPr vert="horz" lIns="91440" tIns="45720" rIns="91440" bIns="45720" rtlCol="0" anchor="ctr"/>
+          <a:lstStyle/>
+          <a:p>
+            <a:endParaRPr lang="en-US"/>
+          </a:p>
+        </p:txBody>
+      </p:sp>
+      <p:sp>
+        <p:nvSpPr>
+          <p:cNvPr id="5" name="Notes Placeholder 4"/>
+          <p:cNvSpPr>
+            <a:spLocks noGrp="1"/>
+          </p:cNvSpPr>
+          <p:nvPr>
+            <p:ph type="body" sz="quarter" idx="3"/>
+          </p:nvPr>
+        </p:nvSpPr>
+        <p:spPr>
+          <a:xfrm>
+            <a:off x="685800" y="4400550"/>
+            <a:ext cx="5486400" cy="3600450"/>
+          </a:xfrm>
+          <a:prstGeom prst="rect">
+            <a:avLst/>
+          </a:prstGeom>
+        </p:spPr>
+        <p:txBody>
+          <a:bodyPr vert="horz" lIns="91440" tIns="45720" rIns="91440" bIns="45720" rtlCol="0"/>
+          <a:lstStyle/>
+          <a:p>
+            <a:pPr lvl="0"/>
+            <a:r>
+              <a:rPr lang="en-US"/>
+              <a:t>Edit Master text styles</a:t>
+            </a:r>
+          </a:p>
+          <a:p>
+            <a:pPr lvl="1"/>
+            <a:r>
+              <a:rPr lang="en-US"/>
+              <a:t>Second level</a:t>
+            </a:r>
+          </a:p>
+          <a:p>
+            <a:pPr lvl="2"/>
+            <a:r>
+              <a:rPr lang="en-US"/>
+              <a:t>Third level</a:t>
+            </a:r>
+          </a:p>
+          <a:p>
+            <a:pPr lvl="3"/>
+            <a:r>
+              <a:rPr lang="en-US"/>
+              <a:t>Fourth level</a:t>
+            </a:r>
+          </a:p>
+          <a:p>
+            <a:pPr lvl="4"/>
+            <a:r>
+              <a:rPr lang="en-US"/>
+              <a:t>Fifth level</a:t>
+            </a:r>
+          </a:p>
+        </p:txBody>
+      </p:sp>
+      <p:sp>
+        <p:nvSpPr>
+          <p:cNvPr id="6" name="Footer Placeholder 5"/>
+          <p:cNvSpPr>
+            <a:spLocks noGrp="1"/>
+          </p:cNvSpPr>
+          <p:nvPr>
+            <p:ph type="ftr" sz="quarter" idx="4"/>
+          </p:nvPr>
+        </p:nvSpPr>
+        <p:spPr>
+          <a:xfrm>
+            <a:off x="0" y="8685213"/>
+            <a:ext cx="2971800" cy="458787"/>
+          </a:xfrm>
+          <a:prstGeom prst="rect">
+            <a:avLst/>
+          </a:prstGeom>
+        </p:spPr>
+        <p:txBody>
+          <a:bodyPr vert="horz" lIns="91440" tIns="45720" rIns="91440" bIns="45720" rtlCol="0" anchor="b"/>
+          <a:lstStyle>
+            <a:lvl1pPr algn="l">
+              <a:defRPr sz="1200"/>
+            </a:lvl1pPr>
+          </a:lstStyle>
+          <a:p>
+            <a:endParaRPr lang="en-US"/>
+          </a:p>
+        </p:txBody>
+      </p:sp>
+      <p:sp>
+        <p:nvSpPr>
+          <p:cNvPr id="7" name="Slide Number Placeholder 6"/>
+          <p:cNvSpPr>
+            <a:spLocks noGrp="1"/>
+          </p:cNvSpPr>
+          <p:nvPr>
+            <p:ph type="sldNum" sz="quarter" idx="5"/>
+          </p:nvPr>
+        </p:nvSpPr>
+        <p:spPr>
+          <a:xfrm>
+            <a:off x="3884613" y="8685213"/>
+            <a:ext cx="2971800" cy="458787"/>
+          </a:xfrm>
+          <a:prstGeom prst="rect">
+            <a:avLst/>
+          </a:prstGeom>
+        </p:spPr>
+        <p:txBody>
+          <a:bodyPr vert="horz" lIns="91440" tIns="45720" rIns="91440" bIns="45720" rtlCol="0" anchor="b"/>
+          <a:lstStyle>
+            <a:lvl1pPr algn="r">
+              <a:defRPr sz="1200"/>
+            </a:lvl1pPr>
+          </a:lstStyle>
+          <a:p>
+            <a:fld id="{447FCD67-4118-4C76-A7A0-E3E84B8B6313}" type="slidenum">
+              <a:rPr lang="en-US" smtClean="0"/>
+              <a:t>‹#›</a:t>
+            </a:fld>
+            <a:endParaRPr lang="en-US"/>
+          </a:p>
+        </p:txBody>
+      </p:sp>
+    </p:spTree>
+    <p:extLst>
+      <p:ext uri="{BB962C8B-B14F-4D97-AF65-F5344CB8AC3E}">
+        <p14:creationId xmlns:p14="http://schemas.microsoft.com/office/powerpoint/2010/main" val="3967681477"/>
+      </p:ext>
+    </p:extLst>
+  </p:cSld>
+  <p:clrMap bg1="lt1" tx1="dk1" bg2="lt2" tx2="dk2" accent1="accent1" accent2="accent2" accent3="accent3" accent4="accent4" accent5="accent5" accent6="accent6" hlink="hlink" folHlink="folHlink"/>
+  <p:notesStyle>
+    <a:lvl1pPr marL="0" algn="l" defTabSz="914400" rtl="0" eaLnBrk="1" latinLnBrk="0" hangingPunct="1">
+      <a:defRPr sz="1200" kern="1200">
+        <a:solidFill>
+          <a:schemeClr val="tx1"/>
+        </a:solidFill>
+        <a:latin typeface="+mn-lt"/>
+        <a:ea typeface="+mn-ea"/>
+        <a:cs typeface="+mn-cs"/>
+      </a:defRPr>
+    </a:lvl1pPr>
+    <a:lvl2pPr marL="457200" algn="l" defTabSz="914400" rtl="0" eaLnBrk="1" latinLnBrk="0" hangingPunct="1">
+      <a:defRPr sz="1200" kern="1200">
+        <a:solidFill>
+          <a:schemeClr val="tx1"/>
+        </a:solidFill>
+        <a:latin typeface="+mn-lt"/>
+        <a:ea typeface="+mn-ea"/>
+        <a:cs typeface="+mn-cs"/>
+      </a:defRPr>
+    </a:lvl2pPr>
+    <a:lvl3pPr marL="914400" algn="l" defTabSz="914400" rtl="0" eaLnBrk="1" latinLnBrk="0" hangingPunct="1">
+      <a:defRPr sz="1200" kern="1200">
+        <a:solidFill>
+          <a:schemeClr val="tx1"/>
+        </a:solidFill>
+        <a:latin typeface="+mn-lt"/>
+        <a:ea typeface="+mn-ea"/>
+        <a:cs typeface="+mn-cs"/>
+      </a:defRPr>
+    </a:lvl3pPr>
+    <a:lvl4pPr marL="1371600" algn="l" defTabSz="914400" rtl="0" eaLnBrk="1" latinLnBrk="0" hangingPunct="1">
+      <a:defRPr sz="1200" kern="1200">
+        <a:solidFill>
+          <a:schemeClr val="tx1"/>
+        </a:solidFill>
+        <a:latin typeface="+mn-lt"/>
+        <a:ea typeface="+mn-ea"/>
+        <a:cs typeface="+mn-cs"/>
+      </a:defRPr>
+    </a:lvl4pPr>
+    <a:lvl5pPr marL="1828800" algn="l" defTabSz="914400" rtl="0" eaLnBrk="1" latinLnBrk="0" hangingPunct="1">
+      <a:defRPr sz="1200" kern="1200">
+        <a:solidFill>
+          <a:schemeClr val="tx1"/>
+        </a:solidFill>
+        <a:latin typeface="+mn-lt"/>
+        <a:ea typeface="+mn-ea"/>
+        <a:cs typeface="+mn-cs"/>
+      </a:defRPr>
+    </a:lvl5pPr>
+    <a:lvl6pPr marL="2286000" algn="l" defTabSz="914400" rtl="0" eaLnBrk="1" latinLnBrk="0" hangingPunct="1">
+      <a:defRPr sz="1200" kern="1200">
+        <a:solidFill>
+          <a:schemeClr val="tx1"/>
+        </a:solidFill>
+        <a:latin typeface="+mn-lt"/>
+        <a:ea typeface="+mn-ea"/>
+        <a:cs typeface="+mn-cs"/>
+      </a:defRPr>
+    </a:lvl6pPr>
+    <a:lvl7pPr marL="2743200" algn="l" defTabSz="914400" rtl="0" eaLnBrk="1" latinLnBrk="0" hangingPunct="1">
+      <a:defRPr sz="1200" kern="1200">
+        <a:solidFill>
+          <a:schemeClr val="tx1"/>
+        </a:solidFill>
+        <a:latin typeface="+mn-lt"/>
+        <a:ea typeface="+mn-ea"/>
+        <a:cs typeface="+mn-cs"/>
+      </a:defRPr>
+    </a:lvl7pPr>
+    <a:lvl8pPr marL="3200400" algn="l" defTabSz="914400" rtl="0" eaLnBrk="1" latinLnBrk="0" hangingPunct="1">
+      <a:defRPr sz="1200" kern="1200">
+        <a:solidFill>
+          <a:schemeClr val="tx1"/>
+        </a:solidFill>
+        <a:latin typeface="+mn-lt"/>
+        <a:ea typeface="+mn-ea"/>
+        <a:cs typeface="+mn-cs"/>
+      </a:defRPr>
+    </a:lvl8pPr>
+    <a:lvl9pPr marL="3657600" algn="l" defTabSz="914400" rtl="0" eaLnBrk="1" latinLnBrk="0" hangingPunct="1">
+      <a:defRPr sz="1200" kern="1200">
+        <a:solidFill>
+          <a:schemeClr val="tx1"/>
+        </a:solidFill>
+        <a:latin typeface="+mn-lt"/>
+        <a:ea typeface="+mn-ea"/>
+        <a:cs typeface="+mn-cs"/>
+      </a:defRPr>
+    </a:lvl9pPr>
+  </p:notesStyle>
+</p:notesMaster>
 </file>
 
 <file path=ppt/slideLayouts/slideLayout1.xml><?xml version="1.0" encoding="utf-8"?>
@@ -459,10 +812,9 @@
             </a:lvl1pPr>
           </a:lstStyle>
           <a:p>
-            <a:fld id="{5923F103-BC34-4FE4-A40E-EDDEECFDA5D0}" type="datetimeFigureOut">
-              <a:rPr lang="en-US" dirty="0"/>
-              <a:pPr/>
-              <a:t>9/8/2017</a:t>
+            <a:fld id="{70143B14-6FD6-4C3F-B41D-D1B3BBC4FA41}" type="datetime1">
+              <a:rPr lang="en-US" smtClean="0"/>
+              <a:t>9/3/2018</a:t>
             </a:fld>
             <a:endParaRPr lang="en-US" dirty="0"/>
           </a:p>
@@ -499,10 +851,10 @@
           </a:lstStyle>
           <a:p>
             <a:r>
-              <a:rPr lang="en-US" dirty="0"/>
-              <a:t>
-              </a:t>
-            </a:r>
+              <a:rPr lang="en-US"/>
+              <a:t>https://github.com/JimWright4089/FIRSTWorkshops</a:t>
+            </a:r>
+            <a:endParaRPr lang="en-US" dirty="0"/>
           </a:p>
         </p:txBody>
       </p:sp>
@@ -1548,9 +1900,9 @@
           <a:bodyPr/>
           <a:lstStyle/>
           <a:p>
-            <a:fld id="{923A1CC3-2375-41D4-9E03-427CAF2A4C1A}" type="datetimeFigureOut">
-              <a:rPr lang="en-US" dirty="0"/>
-              <a:t>9/8/2017</a:t>
+            <a:fld id="{2B3D5EFB-A2C5-49D5-83DC-90D30FB6350F}" type="datetime1">
+              <a:rPr lang="en-US" smtClean="0"/>
+              <a:t>9/3/2018</a:t>
             </a:fld>
             <a:endParaRPr lang="en-US" dirty="0"/>
           </a:p>
@@ -1572,10 +1924,10 @@
           <a:lstStyle/>
           <a:p>
             <a:r>
-              <a:rPr lang="en-US" dirty="0"/>
-              <a:t>
-              </a:t>
-            </a:r>
+              <a:rPr lang="en-US"/>
+              <a:t>https://github.com/JimWright4089/FIRSTWorkshops</a:t>
+            </a:r>
+            <a:endParaRPr lang="en-US" dirty="0"/>
           </a:p>
         </p:txBody>
       </p:sp>
@@ -2528,9 +2880,9 @@
           <a:bodyPr/>
           <a:lstStyle/>
           <a:p>
-            <a:fld id="{AFF16868-8199-4C2C-A5B1-63AEE139F88E}" type="datetimeFigureOut">
-              <a:rPr lang="en-US" dirty="0"/>
-              <a:t>9/8/2017</a:t>
+            <a:fld id="{E58E18E1-6780-40CE-8A5F-0004DB02BD3D}" type="datetime1">
+              <a:rPr lang="en-US" smtClean="0"/>
+              <a:t>9/3/2018</a:t>
             </a:fld>
             <a:endParaRPr lang="en-US" dirty="0"/>
           </a:p>
@@ -2552,10 +2904,10 @@
           <a:lstStyle/>
           <a:p>
             <a:r>
-              <a:rPr lang="en-US" dirty="0"/>
-              <a:t>
-              </a:t>
-            </a:r>
+              <a:rPr lang="en-US"/>
+              <a:t>https://github.com/JimWright4089/FIRSTWorkshops</a:t>
+            </a:r>
+            <a:endParaRPr lang="en-US" dirty="0"/>
           </a:p>
         </p:txBody>
       </p:sp>
@@ -3662,9 +4014,9 @@
           <a:bodyPr/>
           <a:lstStyle/>
           <a:p>
-            <a:fld id="{AAD9FF7F-6988-44CC-821B-644E70CD2F73}" type="datetimeFigureOut">
-              <a:rPr lang="en-US" dirty="0"/>
-              <a:t>9/8/2017</a:t>
+            <a:fld id="{AF6E6664-D1E6-4911-8A5C-DFA0FDC32B64}" type="datetime1">
+              <a:rPr lang="en-US" smtClean="0"/>
+              <a:t>9/3/2018</a:t>
             </a:fld>
             <a:endParaRPr lang="en-US" dirty="0"/>
           </a:p>
@@ -3686,10 +4038,10 @@
           <a:lstStyle/>
           <a:p>
             <a:r>
-              <a:rPr lang="en-US" dirty="0"/>
-              <a:t>
-              </a:t>
-            </a:r>
+              <a:rPr lang="en-US"/>
+              <a:t>https://github.com/JimWright4089/FIRSTWorkshops</a:t>
+            </a:r>
+            <a:endParaRPr lang="en-US" dirty="0"/>
           </a:p>
         </p:txBody>
       </p:sp>
@@ -4695,9 +5047,9 @@
           <a:bodyPr/>
           <a:lstStyle/>
           <a:p>
-            <a:fld id="{5C12C299-16B2-4475-990D-751901EACC14}" type="datetimeFigureOut">
-              <a:rPr lang="en-US" dirty="0"/>
-              <a:t>9/8/2017</a:t>
+            <a:fld id="{4938A52B-7BE6-46A0-AD7C-CEC9A349768E}" type="datetime1">
+              <a:rPr lang="en-US" smtClean="0"/>
+              <a:t>9/3/2018</a:t>
             </a:fld>
             <a:endParaRPr lang="en-US" dirty="0"/>
           </a:p>
@@ -4719,10 +5071,10 @@
           <a:lstStyle/>
           <a:p>
             <a:r>
-              <a:rPr lang="en-US" dirty="0"/>
-              <a:t>
-              </a:t>
-            </a:r>
+              <a:rPr lang="en-US"/>
+              <a:t>https://github.com/JimWright4089/FIRSTWorkshops</a:t>
+            </a:r>
+            <a:endParaRPr lang="en-US" dirty="0"/>
           </a:p>
         </p:txBody>
       </p:sp>
@@ -5355,9 +5707,9 @@
           <a:bodyPr/>
           <a:lstStyle/>
           <a:p>
-            <a:fld id="{9FE86839-B9D8-4651-8783-F325ECE74E65}" type="datetimeFigureOut">
-              <a:rPr lang="en-US" dirty="0"/>
-              <a:t>9/8/2017</a:t>
+            <a:fld id="{BE4C9737-CE51-4F51-BABA-CAF573690BBB}" type="datetime1">
+              <a:rPr lang="en-US" smtClean="0"/>
+              <a:t>9/3/2018</a:t>
             </a:fld>
             <a:endParaRPr lang="en-US" dirty="0"/>
           </a:p>
@@ -5379,10 +5731,10 @@
           <a:lstStyle/>
           <a:p>
             <a:r>
-              <a:rPr lang="en-US" dirty="0"/>
-              <a:t>
-              </a:t>
-            </a:r>
+              <a:rPr lang="en-US"/>
+              <a:t>https://github.com/JimWright4089/FIRSTWorkshops</a:t>
+            </a:r>
+            <a:endParaRPr lang="en-US" dirty="0"/>
           </a:p>
         </p:txBody>
       </p:sp>
@@ -6216,9 +6568,9 @@
           <a:bodyPr/>
           <a:lstStyle/>
           <a:p>
-            <a:fld id="{FD484F64-32F6-45C5-931F-ADC1662401D0}" type="datetimeFigureOut">
-              <a:rPr lang="en-US" dirty="0"/>
-              <a:t>9/8/2017</a:t>
+            <a:fld id="{A3749039-AD51-429C-B706-FC67C689CF3E}" type="datetime1">
+              <a:rPr lang="en-US" smtClean="0"/>
+              <a:t>9/3/2018</a:t>
             </a:fld>
             <a:endParaRPr lang="en-US" dirty="0"/>
           </a:p>
@@ -6245,10 +6597,10 @@
           <a:lstStyle/>
           <a:p>
             <a:r>
-              <a:rPr lang="en-US" dirty="0"/>
-              <a:t>
-              </a:t>
-            </a:r>
+              <a:rPr lang="en-US"/>
+              <a:t>https://github.com/JimWright4089/FIRSTWorkshops</a:t>
+            </a:r>
+            <a:endParaRPr lang="en-US" dirty="0"/>
           </a:p>
         </p:txBody>
       </p:sp>
@@ -6406,9 +6758,9 @@
           <a:bodyPr/>
           <a:lstStyle/>
           <a:p>
-            <a:fld id="{53086D93-FCAC-47E0-A2EE-787E62CA814C}" type="datetimeFigureOut">
-              <a:rPr lang="en-US" dirty="0"/>
-              <a:t>9/8/2017</a:t>
+            <a:fld id="{0A214581-BD7F-4B76-99F4-F78CC7335177}" type="datetime1">
+              <a:rPr lang="en-US" smtClean="0"/>
+              <a:t>9/3/2018</a:t>
             </a:fld>
             <a:endParaRPr lang="en-US" dirty="0"/>
           </a:p>
@@ -6430,10 +6782,10 @@
           <a:lstStyle/>
           <a:p>
             <a:r>
-              <a:rPr lang="en-US" dirty="0"/>
-              <a:t>
-              </a:t>
-            </a:r>
+              <a:rPr lang="en-US"/>
+              <a:t>https://github.com/JimWright4089/FIRSTWorkshops</a:t>
+            </a:r>
+            <a:endParaRPr lang="en-US" dirty="0"/>
           </a:p>
         </p:txBody>
       </p:sp>
@@ -7378,9 +7730,9 @@
           <a:bodyPr/>
           <a:lstStyle/>
           <a:p>
-            <a:fld id="{CDA879A6-0FD0-4734-A311-86BFCA472E6E}" type="datetimeFigureOut">
-              <a:rPr lang="en-US" dirty="0"/>
-              <a:t>9/8/2017</a:t>
+            <a:fld id="{BA2D0570-9893-41B0-A739-7CC187D21629}" type="datetime1">
+              <a:rPr lang="en-US" smtClean="0"/>
+              <a:t>9/3/2018</a:t>
             </a:fld>
             <a:endParaRPr lang="en-US" dirty="0"/>
           </a:p>
@@ -7402,10 +7754,10 @@
           <a:lstStyle/>
           <a:p>
             <a:r>
-              <a:rPr lang="en-US" dirty="0"/>
-              <a:t>
-              </a:t>
-            </a:r>
+              <a:rPr lang="en-US"/>
+              <a:t>https://github.com/JimWright4089/FIRSTWorkshops</a:t>
+            </a:r>
+            <a:endParaRPr lang="en-US" dirty="0"/>
           </a:p>
         </p:txBody>
       </p:sp>
@@ -7589,9 +7941,9 @@
           <a:bodyPr/>
           <a:lstStyle/>
           <a:p>
-            <a:fld id="{19C9CA7B-DFD4-44B5-8C60-D14B8CD1FB59}" type="datetimeFigureOut">
-              <a:rPr lang="en-US" dirty="0"/>
-              <a:t>9/8/2017</a:t>
+            <a:fld id="{092AE90E-617A-4487-96E2-AC54A68C24CC}" type="datetime1">
+              <a:rPr lang="en-US" smtClean="0"/>
+              <a:t>9/3/2018</a:t>
             </a:fld>
             <a:endParaRPr lang="en-US" dirty="0"/>
           </a:p>
@@ -7613,10 +7965,10 @@
           <a:lstStyle/>
           <a:p>
             <a:r>
-              <a:rPr lang="en-US" dirty="0"/>
-              <a:t>
-              </a:t>
-            </a:r>
+              <a:rPr lang="en-US"/>
+              <a:t>https://github.com/JimWright4089/FIRSTWorkshops</a:t>
+            </a:r>
+            <a:endParaRPr lang="en-US" dirty="0"/>
           </a:p>
         </p:txBody>
       </p:sp>
@@ -8623,9 +8975,9 @@
           <a:bodyPr/>
           <a:lstStyle/>
           <a:p>
-            <a:fld id="{F34E6425-0181-43F2-84FC-787E803FD2F8}" type="datetimeFigureOut">
-              <a:rPr lang="en-US" dirty="0"/>
-              <a:t>9/8/2017</a:t>
+            <a:fld id="{AD59F5E3-52CF-40B3-971A-0177BE517F27}" type="datetime1">
+              <a:rPr lang="en-US" smtClean="0"/>
+              <a:t>9/3/2018</a:t>
             </a:fld>
             <a:endParaRPr lang="en-US" dirty="0"/>
           </a:p>
@@ -8647,10 +8999,10 @@
           <a:lstStyle/>
           <a:p>
             <a:r>
-              <a:rPr lang="en-US" dirty="0"/>
-              <a:t>
-              </a:t>
-            </a:r>
+              <a:rPr lang="en-US"/>
+              <a:t>https://github.com/JimWright4089/FIRSTWorkshops</a:t>
+            </a:r>
+            <a:endParaRPr lang="en-US" dirty="0"/>
           </a:p>
         </p:txBody>
       </p:sp>
@@ -8895,9 +9247,9 @@
           <a:bodyPr/>
           <a:lstStyle/>
           <a:p>
-            <a:fld id="{3BDB8791-F1B0-41E7-B7FD-A781E65C4266}" type="datetimeFigureOut">
-              <a:rPr lang="en-US" dirty="0"/>
-              <a:t>9/8/2017</a:t>
+            <a:fld id="{8E68928C-558B-4A91-AFD5-2440D4F890D6}" type="datetime1">
+              <a:rPr lang="en-US" smtClean="0"/>
+              <a:t>9/3/2018</a:t>
             </a:fld>
             <a:endParaRPr lang="en-US" dirty="0"/>
           </a:p>
@@ -8919,10 +9271,10 @@
           <a:lstStyle/>
           <a:p>
             <a:r>
-              <a:rPr lang="en-US" dirty="0"/>
-              <a:t>
-              </a:t>
-            </a:r>
+              <a:rPr lang="en-US"/>
+              <a:t>https://github.com/JimWright4089/FIRSTWorkshops</a:t>
+            </a:r>
+            <a:endParaRPr lang="en-US" dirty="0"/>
           </a:p>
         </p:txBody>
       </p:sp>
@@ -9305,9 +9657,9 @@
           <a:bodyPr/>
           <a:lstStyle/>
           <a:p>
-            <a:fld id="{5FDD63B2-E120-4ED8-B27B-C685F510A5FE}" type="datetimeFigureOut">
-              <a:rPr lang="en-US" dirty="0"/>
-              <a:t>9/8/2017</a:t>
+            <a:fld id="{ADB96B63-DB89-4BB8-A2A3-39E54310E666}" type="datetime1">
+              <a:rPr lang="en-US" smtClean="0"/>
+              <a:t>9/3/2018</a:t>
             </a:fld>
             <a:endParaRPr lang="en-US" dirty="0"/>
           </a:p>
@@ -9329,10 +9681,10 @@
           <a:lstStyle/>
           <a:p>
             <a:r>
-              <a:rPr lang="en-US" dirty="0"/>
-              <a:t>
-              </a:t>
-            </a:r>
+              <a:rPr lang="en-US"/>
+              <a:t>https://github.com/JimWright4089/FIRSTWorkshops</a:t>
+            </a:r>
+            <a:endParaRPr lang="en-US" dirty="0"/>
           </a:p>
         </p:txBody>
       </p:sp>
@@ -9432,9 +9784,9 @@
           <a:bodyPr/>
           <a:lstStyle/>
           <a:p>
-            <a:fld id="{7AA18ACC-A947-437B-A130-35BD54FDF1E9}" type="datetimeFigureOut">
-              <a:rPr lang="en-US" dirty="0"/>
-              <a:t>9/8/2017</a:t>
+            <a:fld id="{B58A7B8E-B30A-437B-AE1A-A807AC72042F}" type="datetime1">
+              <a:rPr lang="en-US" smtClean="0"/>
+              <a:t>9/3/2018</a:t>
             </a:fld>
             <a:endParaRPr lang="en-US" dirty="0"/>
           </a:p>
@@ -9456,10 +9808,10 @@
           <a:lstStyle/>
           <a:p>
             <a:r>
-              <a:rPr lang="en-US" dirty="0"/>
-              <a:t>
-              </a:t>
-            </a:r>
+              <a:rPr lang="en-US"/>
+              <a:t>https://github.com/JimWright4089/FIRSTWorkshops</a:t>
+            </a:r>
+            <a:endParaRPr lang="en-US" dirty="0"/>
           </a:p>
         </p:txBody>
       </p:sp>
@@ -9527,9 +9879,9 @@
           <a:bodyPr/>
           <a:lstStyle/>
           <a:p>
-            <a:fld id="{7C8D7E02-BCB8-4D50-A234-369438C08659}" type="datetimeFigureOut">
-              <a:rPr lang="en-US" dirty="0"/>
-              <a:t>9/8/2017</a:t>
+            <a:fld id="{4C2DFFE7-1D42-49A0-9E58-D6359F32F7C4}" type="datetime1">
+              <a:rPr lang="en-US" smtClean="0"/>
+              <a:t>9/3/2018</a:t>
             </a:fld>
             <a:endParaRPr lang="en-US" dirty="0"/>
           </a:p>
@@ -9551,10 +9903,10 @@
           <a:lstStyle/>
           <a:p>
             <a:r>
-              <a:rPr lang="en-US" dirty="0"/>
-              <a:t>
-              </a:t>
-            </a:r>
+              <a:rPr lang="en-US"/>
+              <a:t>https://github.com/JimWright4089/FIRSTWorkshops</a:t>
+            </a:r>
+            <a:endParaRPr lang="en-US" dirty="0"/>
           </a:p>
         </p:txBody>
       </p:sp>
@@ -10608,9 +10960,9 @@
           <a:bodyPr/>
           <a:lstStyle/>
           <a:p>
-            <a:fld id="{76E86A4C-8E40-4F87-A4F0-01A0687C5742}" type="datetimeFigureOut">
-              <a:rPr lang="en-US" dirty="0"/>
-              <a:t>9/8/2017</a:t>
+            <a:fld id="{CF1F63B9-BD7C-4B4F-9081-EB50A19ABBEB}" type="datetime1">
+              <a:rPr lang="en-US" smtClean="0"/>
+              <a:t>9/3/2018</a:t>
             </a:fld>
             <a:endParaRPr lang="en-US" dirty="0"/>
           </a:p>
@@ -10632,10 +10984,10 @@
           <a:lstStyle/>
           <a:p>
             <a:r>
-              <a:rPr lang="en-US" dirty="0"/>
-              <a:t>
-              </a:t>
-            </a:r>
+              <a:rPr lang="en-US"/>
+              <a:t>https://github.com/JimWright4089/FIRSTWorkshops</a:t>
+            </a:r>
+            <a:endParaRPr lang="en-US" dirty="0"/>
           </a:p>
         </p:txBody>
       </p:sp>
@@ -11716,9 +12068,9 @@
           <a:bodyPr/>
           <a:lstStyle/>
           <a:p>
-            <a:fld id="{35E72C73-2D91-4E12-BA25-F0AA0C03599B}" type="datetimeFigureOut">
-              <a:rPr lang="en-US" dirty="0"/>
-              <a:t>9/8/2017</a:t>
+            <a:fld id="{F66E1E34-30AA-4002-8333-378BFCACDCDA}" type="datetime1">
+              <a:rPr lang="en-US" smtClean="0"/>
+              <a:t>9/3/2018</a:t>
             </a:fld>
             <a:endParaRPr lang="en-US" dirty="0"/>
           </a:p>
@@ -11740,10 +12092,10 @@
           <a:lstStyle/>
           <a:p>
             <a:r>
-              <a:rPr lang="en-US" dirty="0"/>
-              <a:t>
-              </a:t>
-            </a:r>
+              <a:rPr lang="en-US"/>
+              <a:t>https://github.com/JimWright4089/FIRSTWorkshops</a:t>
+            </a:r>
+            <a:endParaRPr lang="en-US" dirty="0"/>
           </a:p>
         </p:txBody>
       </p:sp>
@@ -12713,9 +13065,9 @@
             </a:lvl1pPr>
           </a:lstStyle>
           <a:p>
-            <a:fld id="{2BE451C3-0FF4-47C4-B829-773ADF60F88C}" type="datetimeFigureOut">
-              <a:rPr lang="en-US" dirty="0"/>
-              <a:t>9/8/2017</a:t>
+            <a:fld id="{79356669-9559-4BB2-8014-6E405E98D5F1}" type="datetime1">
+              <a:rPr lang="en-US" smtClean="0"/>
+              <a:t>9/3/2018</a:t>
             </a:fld>
             <a:endParaRPr lang="en-US" dirty="0"/>
           </a:p>
@@ -12753,10 +13105,10 @@
           </a:lstStyle>
           <a:p>
             <a:r>
-              <a:rPr lang="en-US" dirty="0"/>
-              <a:t>
-              </a:t>
-            </a:r>
+              <a:rPr lang="en-US"/>
+              <a:t>https://github.com/JimWright4089/FIRSTWorkshops</a:t>
+            </a:r>
+            <a:endParaRPr lang="en-US" dirty="0"/>
           </a:p>
         </p:txBody>
       </p:sp>
@@ -12858,7 +13210,7 @@
     <p:sldLayoutId id="2147483658" r:id="rId16"/>
     <p:sldLayoutId id="2147483659" r:id="rId17"/>
   </p:sldLayoutIdLst>
-  <p:hf sldNum="0" hdr="0" ftr="0" dt="0"/>
+  <p:hf sldNum="0" hdr="0" dt="0"/>
   <p:txStyles>
     <p:titleStyle>
       <a:lvl1pPr algn="l" defTabSz="457200" rtl="0" eaLnBrk="1" latinLnBrk="0" hangingPunct="1">
@@ -13331,6 +13683,73 @@
           </a:p>
         </p:txBody>
       </p:sp>
+      <p:sp>
+        <p:nvSpPr>
+          <p:cNvPr id="4" name="Rectangle 3">
+            <a:extLst>
+              <a:ext uri="{FF2B5EF4-FFF2-40B4-BE49-F238E27FC236}">
+                <a16:creationId xmlns:a16="http://schemas.microsoft.com/office/drawing/2014/main" id="{04E96FB7-C6C5-4112-997D-6D24B014D779}"/>
+              </a:ext>
+            </a:extLst>
+          </p:cNvPr>
+          <p:cNvSpPr/>
+          <p:nvPr/>
+        </p:nvSpPr>
+        <p:spPr>
+          <a:xfrm>
+            <a:off x="536736" y="5890552"/>
+            <a:ext cx="7665881" cy="461665"/>
+          </a:xfrm>
+          <a:prstGeom prst="rect">
+            <a:avLst/>
+          </a:prstGeom>
+        </p:spPr>
+        <p:txBody>
+          <a:bodyPr wrap="none">
+            <a:spAutoFit/>
+          </a:bodyPr>
+          <a:lstStyle/>
+          <a:p>
+            <a:r>
+              <a:rPr lang="en-US" sz="2400" dirty="0">
+                <a:solidFill>
+                  <a:schemeClr val="bg1"/>
+                </a:solidFill>
+              </a:rPr>
+              <a:t>https://github.com/JimWright4089/FIRSTWorkshops</a:t>
+            </a:r>
+          </a:p>
+        </p:txBody>
+      </p:sp>
+      <p:sp>
+        <p:nvSpPr>
+          <p:cNvPr id="5" name="Footer Placeholder 4">
+            <a:extLst>
+              <a:ext uri="{FF2B5EF4-FFF2-40B4-BE49-F238E27FC236}">
+                <a16:creationId xmlns:a16="http://schemas.microsoft.com/office/drawing/2014/main" id="{BB38B58A-F8AF-4546-9B82-A1F78320E01E}"/>
+              </a:ext>
+            </a:extLst>
+          </p:cNvPr>
+          <p:cNvSpPr>
+            <a:spLocks noGrp="1"/>
+          </p:cNvSpPr>
+          <p:nvPr>
+            <p:ph type="ftr" sz="quarter" idx="11"/>
+          </p:nvPr>
+        </p:nvSpPr>
+        <p:spPr/>
+        <p:txBody>
+          <a:bodyPr/>
+          <a:lstStyle/>
+          <a:p>
+            <a:r>
+              <a:rPr lang="en-US"/>
+              <a:t>https://github.com/JimWright4089/FIRSTWorkshops</a:t>
+            </a:r>
+            <a:endParaRPr lang="en-US" dirty="0"/>
+          </a:p>
+        </p:txBody>
+      </p:sp>
     </p:spTree>
     <p:extLst>
       <p:ext uri="{BB962C8B-B14F-4D97-AF65-F5344CB8AC3E}">
@@ -13452,6 +13871,43 @@
           </a:prstGeom>
         </p:spPr>
       </p:pic>
+      <p:sp>
+        <p:nvSpPr>
+          <p:cNvPr id="6" name="Footer Placeholder 4">
+            <a:extLst>
+              <a:ext uri="{FF2B5EF4-FFF2-40B4-BE49-F238E27FC236}">
+                <a16:creationId xmlns:a16="http://schemas.microsoft.com/office/drawing/2014/main" id="{693CE176-A259-4948-956E-88326ECB13CD}"/>
+              </a:ext>
+            </a:extLst>
+          </p:cNvPr>
+          <p:cNvSpPr>
+            <a:spLocks noGrp="1"/>
+          </p:cNvSpPr>
+          <p:nvPr>
+            <p:ph type="ftr" sz="quarter" idx="11"/>
+          </p:nvPr>
+        </p:nvSpPr>
+        <p:spPr>
+          <a:xfrm>
+            <a:off x="270165" y="6381471"/>
+            <a:ext cx="9081654" cy="374074"/>
+          </a:xfrm>
+        </p:spPr>
+        <p:txBody>
+          <a:bodyPr/>
+          <a:lstStyle/>
+          <a:p>
+            <a:r>
+              <a:rPr lang="en-US" sz="2400" dirty="0">
+                <a:solidFill>
+                  <a:schemeClr val="tx1"/>
+                </a:solidFill>
+              </a:rPr>
+              <a:t>https://github.com/JimWright4089/FIRSTWorkshops</a:t>
+            </a:r>
+          </a:p>
+        </p:txBody>
+      </p:sp>
     </p:spTree>
     <p:extLst>
       <p:ext uri="{BB962C8B-B14F-4D97-AF65-F5344CB8AC3E}">
@@ -13721,6 +14177,43 @@
           </a:p>
         </p:txBody>
       </p:sp>
+      <p:sp>
+        <p:nvSpPr>
+          <p:cNvPr id="5" name="Footer Placeholder 4">
+            <a:extLst>
+              <a:ext uri="{FF2B5EF4-FFF2-40B4-BE49-F238E27FC236}">
+                <a16:creationId xmlns:a16="http://schemas.microsoft.com/office/drawing/2014/main" id="{4C814A7E-9E31-43BD-86E9-526B071558D0}"/>
+              </a:ext>
+            </a:extLst>
+          </p:cNvPr>
+          <p:cNvSpPr>
+            <a:spLocks noGrp="1"/>
+          </p:cNvSpPr>
+          <p:nvPr>
+            <p:ph type="ftr" sz="quarter" idx="11"/>
+          </p:nvPr>
+        </p:nvSpPr>
+        <p:spPr>
+          <a:xfrm>
+            <a:off x="561110" y="6220691"/>
+            <a:ext cx="9081654" cy="374074"/>
+          </a:xfrm>
+        </p:spPr>
+        <p:txBody>
+          <a:bodyPr/>
+          <a:lstStyle/>
+          <a:p>
+            <a:r>
+              <a:rPr lang="en-US" sz="2400" dirty="0">
+                <a:solidFill>
+                  <a:schemeClr val="tx1"/>
+                </a:solidFill>
+              </a:rPr>
+              <a:t>https://github.com/JimWright4089/FIRSTWorkshops</a:t>
+            </a:r>
+          </a:p>
+        </p:txBody>
+      </p:sp>
     </p:spTree>
     <p:extLst>
       <p:ext uri="{BB962C8B-B14F-4D97-AF65-F5344CB8AC3E}">
@@ -13922,6 +14415,43 @@
           </a:p>
         </p:txBody>
       </p:sp>
+      <p:sp>
+        <p:nvSpPr>
+          <p:cNvPr id="5" name="Footer Placeholder 4">
+            <a:extLst>
+              <a:ext uri="{FF2B5EF4-FFF2-40B4-BE49-F238E27FC236}">
+                <a16:creationId xmlns:a16="http://schemas.microsoft.com/office/drawing/2014/main" id="{4353D57D-D7BB-4279-B00B-766D16C17B35}"/>
+              </a:ext>
+            </a:extLst>
+          </p:cNvPr>
+          <p:cNvSpPr>
+            <a:spLocks noGrp="1"/>
+          </p:cNvSpPr>
+          <p:nvPr>
+            <p:ph type="ftr" sz="quarter" idx="11"/>
+          </p:nvPr>
+        </p:nvSpPr>
+        <p:spPr>
+          <a:xfrm>
+            <a:off x="4232564" y="6331527"/>
+            <a:ext cx="9081654" cy="374074"/>
+          </a:xfrm>
+        </p:spPr>
+        <p:txBody>
+          <a:bodyPr/>
+          <a:lstStyle/>
+          <a:p>
+            <a:r>
+              <a:rPr lang="en-US" sz="2400" dirty="0">
+                <a:solidFill>
+                  <a:schemeClr val="tx1"/>
+                </a:solidFill>
+              </a:rPr>
+              <a:t>https://github.com/JimWright4089/FIRSTWorkshops</a:t>
+            </a:r>
+          </a:p>
+        </p:txBody>
+      </p:sp>
     </p:spTree>
     <p:extLst>
       <p:ext uri="{BB962C8B-B14F-4D97-AF65-F5344CB8AC3E}">
@@ -14123,6 +14653,43 @@
           </a:p>
         </p:txBody>
       </p:sp>
+      <p:sp>
+        <p:nvSpPr>
+          <p:cNvPr id="5" name="Footer Placeholder 4">
+            <a:extLst>
+              <a:ext uri="{FF2B5EF4-FFF2-40B4-BE49-F238E27FC236}">
+                <a16:creationId xmlns:a16="http://schemas.microsoft.com/office/drawing/2014/main" id="{6DAB2D4F-8139-48F5-8F3B-2DD4E9DE0A09}"/>
+              </a:ext>
+            </a:extLst>
+          </p:cNvPr>
+          <p:cNvSpPr>
+            <a:spLocks noGrp="1"/>
+          </p:cNvSpPr>
+          <p:nvPr>
+            <p:ph type="ftr" sz="quarter" idx="11"/>
+          </p:nvPr>
+        </p:nvSpPr>
+        <p:spPr>
+          <a:xfrm>
+            <a:off x="270164" y="6289964"/>
+            <a:ext cx="9081654" cy="374074"/>
+          </a:xfrm>
+        </p:spPr>
+        <p:txBody>
+          <a:bodyPr/>
+          <a:lstStyle/>
+          <a:p>
+            <a:r>
+              <a:rPr lang="en-US" sz="2400" dirty="0">
+                <a:solidFill>
+                  <a:schemeClr val="tx1"/>
+                </a:solidFill>
+              </a:rPr>
+              <a:t>https://github.com/JimWright4089/FIRSTWorkshops</a:t>
+            </a:r>
+          </a:p>
+        </p:txBody>
+      </p:sp>
     </p:spTree>
     <p:extLst>
       <p:ext uri="{BB962C8B-B14F-4D97-AF65-F5344CB8AC3E}">
@@ -14216,6 +14783,43 @@
           </a:p>
         </p:txBody>
       </p:sp>
+      <p:sp>
+        <p:nvSpPr>
+          <p:cNvPr id="5" name="Footer Placeholder 4">
+            <a:extLst>
+              <a:ext uri="{FF2B5EF4-FFF2-40B4-BE49-F238E27FC236}">
+                <a16:creationId xmlns:a16="http://schemas.microsoft.com/office/drawing/2014/main" id="{7D5731BC-2117-4C61-8BD3-7508B829E606}"/>
+              </a:ext>
+            </a:extLst>
+          </p:cNvPr>
+          <p:cNvSpPr>
+            <a:spLocks noGrp="1"/>
+          </p:cNvSpPr>
+          <p:nvPr>
+            <p:ph type="ftr" sz="quarter" idx="11"/>
+          </p:nvPr>
+        </p:nvSpPr>
+        <p:spPr>
+          <a:xfrm>
+            <a:off x="270165" y="6387548"/>
+            <a:ext cx="9081654" cy="374074"/>
+          </a:xfrm>
+        </p:spPr>
+        <p:txBody>
+          <a:bodyPr/>
+          <a:lstStyle/>
+          <a:p>
+            <a:r>
+              <a:rPr lang="en-US" sz="2400" dirty="0">
+                <a:solidFill>
+                  <a:schemeClr val="tx1"/>
+                </a:solidFill>
+              </a:rPr>
+              <a:t>https://github.com/JimWright4089/FIRSTWorkshops</a:t>
+            </a:r>
+          </a:p>
+        </p:txBody>
+      </p:sp>
     </p:spTree>
     <p:extLst>
       <p:ext uri="{BB962C8B-B14F-4D97-AF65-F5344CB8AC3E}">
@@ -14329,6 +14933,43 @@
           </a:p>
         </p:txBody>
       </p:sp>
+      <p:sp>
+        <p:nvSpPr>
+          <p:cNvPr id="5" name="Footer Placeholder 4">
+            <a:extLst>
+              <a:ext uri="{FF2B5EF4-FFF2-40B4-BE49-F238E27FC236}">
+                <a16:creationId xmlns:a16="http://schemas.microsoft.com/office/drawing/2014/main" id="{1209DE18-B503-447F-B441-01DF56C608A2}"/>
+              </a:ext>
+            </a:extLst>
+          </p:cNvPr>
+          <p:cNvSpPr>
+            <a:spLocks noGrp="1"/>
+          </p:cNvSpPr>
+          <p:nvPr>
+            <p:ph type="ftr" sz="quarter" idx="11"/>
+          </p:nvPr>
+        </p:nvSpPr>
+        <p:spPr>
+          <a:xfrm>
+            <a:off x="561110" y="6220691"/>
+            <a:ext cx="9081654" cy="374074"/>
+          </a:xfrm>
+        </p:spPr>
+        <p:txBody>
+          <a:bodyPr/>
+          <a:lstStyle/>
+          <a:p>
+            <a:r>
+              <a:rPr lang="en-US" sz="2400" dirty="0">
+                <a:solidFill>
+                  <a:schemeClr val="tx1"/>
+                </a:solidFill>
+              </a:rPr>
+              <a:t>https://github.com/JimWright4089/FIRSTWorkshops</a:t>
+            </a:r>
+          </a:p>
+        </p:txBody>
+      </p:sp>
     </p:spTree>
     <p:extLst>
       <p:ext uri="{BB962C8B-B14F-4D97-AF65-F5344CB8AC3E}">
@@ -14444,6 +15085,138 @@
           </a:p>
         </p:txBody>
       </p:sp>
+      <p:sp>
+        <p:nvSpPr>
+          <p:cNvPr id="5" name="Footer Placeholder 4">
+            <a:extLst>
+              <a:ext uri="{FF2B5EF4-FFF2-40B4-BE49-F238E27FC236}">
+                <a16:creationId xmlns:a16="http://schemas.microsoft.com/office/drawing/2014/main" id="{9155A82A-3E4C-4EDB-887D-0D5124E32B75}"/>
+              </a:ext>
+            </a:extLst>
+          </p:cNvPr>
+          <p:cNvSpPr txBox="1">
+            <a:spLocks/>
+          </p:cNvSpPr>
+          <p:nvPr/>
+        </p:nvSpPr>
+        <p:spPr>
+          <a:xfrm>
+            <a:off x="163560" y="6337436"/>
+            <a:ext cx="9081654" cy="374074"/>
+          </a:xfrm>
+          <a:prstGeom prst="rect">
+            <a:avLst/>
+          </a:prstGeom>
+        </p:spPr>
+        <p:txBody>
+          <a:bodyPr vert="horz" lIns="91440" tIns="45720" rIns="91440" bIns="45720" rtlCol="0" anchor="ctr"/>
+          <a:lstStyle>
+            <a:defPPr>
+              <a:defRPr lang="en-US"/>
+            </a:defPPr>
+            <a:lvl1pPr marL="0" algn="l" defTabSz="457200" rtl="0" eaLnBrk="1" latinLnBrk="0" hangingPunct="1">
+              <a:defRPr sz="1000" b="1" i="0" kern="1200">
+                <a:solidFill>
+                  <a:schemeClr val="accent1"/>
+                </a:solidFill>
+                <a:latin typeface="+mn-lt"/>
+                <a:ea typeface="+mn-ea"/>
+                <a:cs typeface="+mn-cs"/>
+              </a:defRPr>
+            </a:lvl1pPr>
+            <a:lvl2pPr marL="457200" algn="l" defTabSz="457200" rtl="0" eaLnBrk="1" latinLnBrk="0" hangingPunct="1">
+              <a:defRPr sz="1800" kern="1200">
+                <a:solidFill>
+                  <a:schemeClr val="tx1"/>
+                </a:solidFill>
+                <a:latin typeface="+mn-lt"/>
+                <a:ea typeface="+mn-ea"/>
+                <a:cs typeface="+mn-cs"/>
+              </a:defRPr>
+            </a:lvl2pPr>
+            <a:lvl3pPr marL="914400" algn="l" defTabSz="457200" rtl="0" eaLnBrk="1" latinLnBrk="0" hangingPunct="1">
+              <a:defRPr sz="1800" kern="1200">
+                <a:solidFill>
+                  <a:schemeClr val="tx1"/>
+                </a:solidFill>
+                <a:latin typeface="+mn-lt"/>
+                <a:ea typeface="+mn-ea"/>
+                <a:cs typeface="+mn-cs"/>
+              </a:defRPr>
+            </a:lvl3pPr>
+            <a:lvl4pPr marL="1371600" algn="l" defTabSz="457200" rtl="0" eaLnBrk="1" latinLnBrk="0" hangingPunct="1">
+              <a:defRPr sz="1800" kern="1200">
+                <a:solidFill>
+                  <a:schemeClr val="tx1"/>
+                </a:solidFill>
+                <a:latin typeface="+mn-lt"/>
+                <a:ea typeface="+mn-ea"/>
+                <a:cs typeface="+mn-cs"/>
+              </a:defRPr>
+            </a:lvl4pPr>
+            <a:lvl5pPr marL="1828800" algn="l" defTabSz="457200" rtl="0" eaLnBrk="1" latinLnBrk="0" hangingPunct="1">
+              <a:defRPr sz="1800" kern="1200">
+                <a:solidFill>
+                  <a:schemeClr val="tx1"/>
+                </a:solidFill>
+                <a:latin typeface="+mn-lt"/>
+                <a:ea typeface="+mn-ea"/>
+                <a:cs typeface="+mn-cs"/>
+              </a:defRPr>
+            </a:lvl5pPr>
+            <a:lvl6pPr marL="2286000" algn="l" defTabSz="457200" rtl="0" eaLnBrk="1" latinLnBrk="0" hangingPunct="1">
+              <a:defRPr sz="1800" kern="1200">
+                <a:solidFill>
+                  <a:schemeClr val="tx1"/>
+                </a:solidFill>
+                <a:latin typeface="+mn-lt"/>
+                <a:ea typeface="+mn-ea"/>
+                <a:cs typeface="+mn-cs"/>
+              </a:defRPr>
+            </a:lvl6pPr>
+            <a:lvl7pPr marL="2743200" algn="l" defTabSz="457200" rtl="0" eaLnBrk="1" latinLnBrk="0" hangingPunct="1">
+              <a:defRPr sz="1800" kern="1200">
+                <a:solidFill>
+                  <a:schemeClr val="tx1"/>
+                </a:solidFill>
+                <a:latin typeface="+mn-lt"/>
+                <a:ea typeface="+mn-ea"/>
+                <a:cs typeface="+mn-cs"/>
+              </a:defRPr>
+            </a:lvl7pPr>
+            <a:lvl8pPr marL="3200400" algn="l" defTabSz="457200" rtl="0" eaLnBrk="1" latinLnBrk="0" hangingPunct="1">
+              <a:defRPr sz="1800" kern="1200">
+                <a:solidFill>
+                  <a:schemeClr val="tx1"/>
+                </a:solidFill>
+                <a:latin typeface="+mn-lt"/>
+                <a:ea typeface="+mn-ea"/>
+                <a:cs typeface="+mn-cs"/>
+              </a:defRPr>
+            </a:lvl8pPr>
+            <a:lvl9pPr marL="3657600" algn="l" defTabSz="457200" rtl="0" eaLnBrk="1" latinLnBrk="0" hangingPunct="1">
+              <a:defRPr sz="1800" kern="1200">
+                <a:solidFill>
+                  <a:schemeClr val="tx1"/>
+                </a:solidFill>
+                <a:latin typeface="+mn-lt"/>
+                <a:ea typeface="+mn-ea"/>
+                <a:cs typeface="+mn-cs"/>
+              </a:defRPr>
+            </a:lvl9pPr>
+          </a:lstStyle>
+          <a:p>
+            <a:r>
+              <a:rPr lang="en-US" sz="2400" dirty="0">
+                <a:solidFill>
+                  <a:schemeClr val="tx1"/>
+                </a:solidFill>
+              </a:rPr>
+              <a:t>https://github.com/JimWright4089/FIRSTWorkshops</a:t>
+            </a:r>
+          </a:p>
+        </p:txBody>
+      </p:sp>
     </p:spTree>
     <p:extLst>
       <p:ext uri="{BB962C8B-B14F-4D97-AF65-F5344CB8AC3E}">
@@ -14552,6 +15325,43 @@
           </a:p>
         </p:txBody>
       </p:sp>
+      <p:sp>
+        <p:nvSpPr>
+          <p:cNvPr id="5" name="Footer Placeholder 4">
+            <a:extLst>
+              <a:ext uri="{FF2B5EF4-FFF2-40B4-BE49-F238E27FC236}">
+                <a16:creationId xmlns:a16="http://schemas.microsoft.com/office/drawing/2014/main" id="{EC952921-544E-4F77-8675-F6260F7DB676}"/>
+              </a:ext>
+            </a:extLst>
+          </p:cNvPr>
+          <p:cNvSpPr>
+            <a:spLocks noGrp="1"/>
+          </p:cNvSpPr>
+          <p:nvPr>
+            <p:ph type="ftr" sz="quarter" idx="11"/>
+          </p:nvPr>
+        </p:nvSpPr>
+        <p:spPr>
+          <a:xfrm>
+            <a:off x="145474" y="6359237"/>
+            <a:ext cx="9081654" cy="374074"/>
+          </a:xfrm>
+        </p:spPr>
+        <p:txBody>
+          <a:bodyPr/>
+          <a:lstStyle/>
+          <a:p>
+            <a:r>
+              <a:rPr lang="en-US" sz="2400" dirty="0">
+                <a:solidFill>
+                  <a:schemeClr val="tx1"/>
+                </a:solidFill>
+              </a:rPr>
+              <a:t>https://github.com/JimWright4089/FIRSTWorkshops</a:t>
+            </a:r>
+          </a:p>
+        </p:txBody>
+      </p:sp>
     </p:spTree>
     <p:extLst>
       <p:ext uri="{BB962C8B-B14F-4D97-AF65-F5344CB8AC3E}">
@@ -14646,6 +15456,43 @@
           </a:p>
         </p:txBody>
       </p:sp>
+      <p:sp>
+        <p:nvSpPr>
+          <p:cNvPr id="5" name="Footer Placeholder 4">
+            <a:extLst>
+              <a:ext uri="{FF2B5EF4-FFF2-40B4-BE49-F238E27FC236}">
+                <a16:creationId xmlns:a16="http://schemas.microsoft.com/office/drawing/2014/main" id="{82484588-9CFE-4A0D-93C3-72A99A666C57}"/>
+              </a:ext>
+            </a:extLst>
+          </p:cNvPr>
+          <p:cNvSpPr>
+            <a:spLocks noGrp="1"/>
+          </p:cNvSpPr>
+          <p:nvPr>
+            <p:ph type="ftr" sz="quarter" idx="11"/>
+          </p:nvPr>
+        </p:nvSpPr>
+        <p:spPr>
+          <a:xfrm>
+            <a:off x="200892" y="6262255"/>
+            <a:ext cx="9081654" cy="374074"/>
+          </a:xfrm>
+        </p:spPr>
+        <p:txBody>
+          <a:bodyPr/>
+          <a:lstStyle/>
+          <a:p>
+            <a:r>
+              <a:rPr lang="en-US" sz="2400" dirty="0">
+                <a:solidFill>
+                  <a:schemeClr val="tx1"/>
+                </a:solidFill>
+              </a:rPr>
+              <a:t>https://github.com/JimWright4089/FIRSTWorkshops</a:t>
+            </a:r>
+          </a:p>
+        </p:txBody>
+      </p:sp>
     </p:spTree>
     <p:extLst>
       <p:ext uri="{BB962C8B-B14F-4D97-AF65-F5344CB8AC3E}">
@@ -14748,6 +15595,43 @@
           </a:p>
         </p:txBody>
       </p:sp>
+      <p:sp>
+        <p:nvSpPr>
+          <p:cNvPr id="5" name="Footer Placeholder 4">
+            <a:extLst>
+              <a:ext uri="{FF2B5EF4-FFF2-40B4-BE49-F238E27FC236}">
+                <a16:creationId xmlns:a16="http://schemas.microsoft.com/office/drawing/2014/main" id="{FB164297-73AC-4BF9-BFE0-85A1AF9DD029}"/>
+              </a:ext>
+            </a:extLst>
+          </p:cNvPr>
+          <p:cNvSpPr>
+            <a:spLocks noGrp="1"/>
+          </p:cNvSpPr>
+          <p:nvPr>
+            <p:ph type="ftr" sz="quarter" idx="11"/>
+          </p:nvPr>
+        </p:nvSpPr>
+        <p:spPr>
+          <a:xfrm>
+            <a:off x="214747" y="6345382"/>
+            <a:ext cx="9081654" cy="374074"/>
+          </a:xfrm>
+        </p:spPr>
+        <p:txBody>
+          <a:bodyPr/>
+          <a:lstStyle/>
+          <a:p>
+            <a:r>
+              <a:rPr lang="en-US" sz="2400" dirty="0">
+                <a:solidFill>
+                  <a:schemeClr val="tx1"/>
+                </a:solidFill>
+              </a:rPr>
+              <a:t>https://github.com/JimWright4089/FIRSTWorkshops</a:t>
+            </a:r>
+          </a:p>
+        </p:txBody>
+      </p:sp>
     </p:spTree>
     <p:extLst>
       <p:ext uri="{BB962C8B-B14F-4D97-AF65-F5344CB8AC3E}">
@@ -14862,6 +15746,43 @@
           </a:p>
         </p:txBody>
       </p:sp>
+      <p:sp>
+        <p:nvSpPr>
+          <p:cNvPr id="5" name="Footer Placeholder 4">
+            <a:extLst>
+              <a:ext uri="{FF2B5EF4-FFF2-40B4-BE49-F238E27FC236}">
+                <a16:creationId xmlns:a16="http://schemas.microsoft.com/office/drawing/2014/main" id="{842D4832-23D1-4065-917B-F6EC5E2733B7}"/>
+              </a:ext>
+            </a:extLst>
+          </p:cNvPr>
+          <p:cNvSpPr>
+            <a:spLocks noGrp="1"/>
+          </p:cNvSpPr>
+          <p:nvPr>
+            <p:ph type="ftr" sz="quarter" idx="11"/>
+          </p:nvPr>
+        </p:nvSpPr>
+        <p:spPr>
+          <a:xfrm>
+            <a:off x="311728" y="6276109"/>
+            <a:ext cx="9081654" cy="374074"/>
+          </a:xfrm>
+        </p:spPr>
+        <p:txBody>
+          <a:bodyPr/>
+          <a:lstStyle/>
+          <a:p>
+            <a:r>
+              <a:rPr lang="en-US" sz="2400" dirty="0">
+                <a:solidFill>
+                  <a:schemeClr val="tx1"/>
+                </a:solidFill>
+              </a:rPr>
+              <a:t>https://github.com/JimWright4089/FIRSTWorkshops</a:t>
+            </a:r>
+          </a:p>
+        </p:txBody>
+      </p:sp>
     </p:spTree>
     <p:extLst>
       <p:ext uri="{BB962C8B-B14F-4D97-AF65-F5344CB8AC3E}">
@@ -14973,6 +15894,43 @@
           </a:p>
         </p:txBody>
       </p:sp>
+      <p:sp>
+        <p:nvSpPr>
+          <p:cNvPr id="5" name="Footer Placeholder 4">
+            <a:extLst>
+              <a:ext uri="{FF2B5EF4-FFF2-40B4-BE49-F238E27FC236}">
+                <a16:creationId xmlns:a16="http://schemas.microsoft.com/office/drawing/2014/main" id="{371C134C-9F7D-4F5D-893E-14C6DB1B17A3}"/>
+              </a:ext>
+            </a:extLst>
+          </p:cNvPr>
+          <p:cNvSpPr>
+            <a:spLocks noGrp="1"/>
+          </p:cNvSpPr>
+          <p:nvPr>
+            <p:ph type="ftr" sz="quarter" idx="11"/>
+          </p:nvPr>
+        </p:nvSpPr>
+        <p:spPr>
+          <a:xfrm>
+            <a:off x="353291" y="6303818"/>
+            <a:ext cx="9081654" cy="374074"/>
+          </a:xfrm>
+        </p:spPr>
+        <p:txBody>
+          <a:bodyPr/>
+          <a:lstStyle/>
+          <a:p>
+            <a:r>
+              <a:rPr lang="en-US" sz="2400" dirty="0">
+                <a:solidFill>
+                  <a:schemeClr val="tx1"/>
+                </a:solidFill>
+              </a:rPr>
+              <a:t>https://github.com/JimWright4089/FIRSTWorkshops</a:t>
+            </a:r>
+          </a:p>
+        </p:txBody>
+      </p:sp>
     </p:spTree>
     <p:extLst>
       <p:ext uri="{BB962C8B-B14F-4D97-AF65-F5344CB8AC3E}">
@@ -15093,6 +16051,43 @@
           </a:p>
           <a:p>
             <a:endParaRPr lang="en-US" sz="3000" dirty="0"/>
+          </a:p>
+        </p:txBody>
+      </p:sp>
+      <p:sp>
+        <p:nvSpPr>
+          <p:cNvPr id="5" name="Footer Placeholder 4">
+            <a:extLst>
+              <a:ext uri="{FF2B5EF4-FFF2-40B4-BE49-F238E27FC236}">
+                <a16:creationId xmlns:a16="http://schemas.microsoft.com/office/drawing/2014/main" id="{476CB752-75DD-47F4-8370-586F794494CB}"/>
+              </a:ext>
+            </a:extLst>
+          </p:cNvPr>
+          <p:cNvSpPr>
+            <a:spLocks noGrp="1"/>
+          </p:cNvSpPr>
+          <p:nvPr>
+            <p:ph type="ftr" sz="quarter" idx="11"/>
+          </p:nvPr>
+        </p:nvSpPr>
+        <p:spPr>
+          <a:xfrm>
+            <a:off x="561110" y="6220691"/>
+            <a:ext cx="9081654" cy="374074"/>
+          </a:xfrm>
+        </p:spPr>
+        <p:txBody>
+          <a:bodyPr/>
+          <a:lstStyle/>
+          <a:p>
+            <a:r>
+              <a:rPr lang="en-US" sz="2400" dirty="0">
+                <a:solidFill>
+                  <a:schemeClr val="tx1"/>
+                </a:solidFill>
+              </a:rPr>
+              <a:t>https://github.com/JimWright4089/FIRSTWorkshops</a:t>
+            </a:r>
           </a:p>
         </p:txBody>
       </p:sp>
@@ -15371,4 +16366,299 @@
     </a:ext>
   </a:extLst>
 </a:theme>
+</file>
+
+<file path=ppt/theme/theme2.xml><?xml version="1.0" encoding="utf-8"?>
+<a:theme xmlns:a="http://schemas.openxmlformats.org/drawingml/2006/main" name="Office Theme">
+  <a:themeElements>
+    <a:clrScheme name="Office">
+      <a:dk1>
+        <a:sysClr val="windowText" lastClr="000000"/>
+      </a:dk1>
+      <a:lt1>
+        <a:sysClr val="window" lastClr="FFFFFF"/>
+      </a:lt1>
+      <a:dk2>
+        <a:srgbClr val="44546A"/>
+      </a:dk2>
+      <a:lt2>
+        <a:srgbClr val="E7E6E6"/>
+      </a:lt2>
+      <a:accent1>
+        <a:srgbClr val="4472C4"/>
+      </a:accent1>
+      <a:accent2>
+        <a:srgbClr val="ED7D31"/>
+      </a:accent2>
+      <a:accent3>
+        <a:srgbClr val="A5A5A5"/>
+      </a:accent3>
+      <a:accent4>
+        <a:srgbClr val="FFC000"/>
+      </a:accent4>
+      <a:accent5>
+        <a:srgbClr val="5B9BD5"/>
+      </a:accent5>
+      <a:accent6>
+        <a:srgbClr val="70AD47"/>
+      </a:accent6>
+      <a:hlink>
+        <a:srgbClr val="0563C1"/>
+      </a:hlink>
+      <a:folHlink>
+        <a:srgbClr val="954F72"/>
+      </a:folHlink>
+    </a:clrScheme>
+    <a:fontScheme name="Office">
+      <a:majorFont>
+        <a:latin typeface="Calibri Light" panose="020F0302020204030204"/>
+        <a:ea typeface=""/>
+        <a:cs typeface=""/>
+        <a:font script="Jpan" typeface="游ゴシック Light"/>
+        <a:font script="Hang" typeface="맑은 고딕"/>
+        <a:font script="Hans" typeface="等线 Light"/>
+        <a:font script="Hant" typeface="新細明體"/>
+        <a:font script="Arab" typeface="Times New Roman"/>
+        <a:font script="Hebr" typeface="Times New Roman"/>
+        <a:font script="Thai" typeface="Angsana New"/>
+        <a:font script="Ethi" typeface="Nyala"/>
+        <a:font script="Beng" typeface="Vrinda"/>
+        <a:font script="Gujr" typeface="Shruti"/>
+        <a:font script="Khmr" typeface="MoolBoran"/>
+        <a:font script="Knda" typeface="Tunga"/>
+        <a:font script="Guru" typeface="Raavi"/>
+        <a:font script="Cans" typeface="Euphemia"/>
+        <a:font script="Cher" typeface="Plantagenet Cherokee"/>
+        <a:font script="Yiii" typeface="Microsoft Yi Baiti"/>
+        <a:font script="Tibt" typeface="Microsoft Himalaya"/>
+        <a:font script="Thaa" typeface="MV Boli"/>
+        <a:font script="Deva" typeface="Mangal"/>
+        <a:font script="Telu" typeface="Gautami"/>
+        <a:font script="Taml" typeface="Latha"/>
+        <a:font script="Syrc" typeface="Estrangelo Edessa"/>
+        <a:font script="Orya" typeface="Kalinga"/>
+        <a:font script="Mlym" typeface="Kartika"/>
+        <a:font script="Laoo" typeface="DokChampa"/>
+        <a:font script="Sinh" typeface="Iskoola Pota"/>
+        <a:font script="Mong" typeface="Mongolian Baiti"/>
+        <a:font script="Viet" typeface="Times New Roman"/>
+        <a:font script="Uigh" typeface="Microsoft Uighur"/>
+        <a:font script="Geor" typeface="Sylfaen"/>
+        <a:font script="Armn" typeface="Arial"/>
+        <a:font script="Bugi" typeface="Leelawadee UI"/>
+        <a:font script="Bopo" typeface="Microsoft JhengHei"/>
+        <a:font script="Java" typeface="Javanese Text"/>
+        <a:font script="Lisu" typeface="Segoe UI"/>
+        <a:font script="Mymr" typeface="Myanmar Text"/>
+        <a:font script="Nkoo" typeface="Ebrima"/>
+        <a:font script="Olck" typeface="Nirmala UI"/>
+        <a:font script="Osma" typeface="Ebrima"/>
+        <a:font script="Phag" typeface="Phagspa"/>
+        <a:font script="Syrn" typeface="Estrangelo Edessa"/>
+        <a:font script="Syrj" typeface="Estrangelo Edessa"/>
+        <a:font script="Syre" typeface="Estrangelo Edessa"/>
+        <a:font script="Sora" typeface="Nirmala UI"/>
+        <a:font script="Tale" typeface="Microsoft Tai Le"/>
+        <a:font script="Talu" typeface="Microsoft New Tai Lue"/>
+        <a:font script="Tfng" typeface="Ebrima"/>
+      </a:majorFont>
+      <a:minorFont>
+        <a:latin typeface="Calibri" panose="020F0502020204030204"/>
+        <a:ea typeface=""/>
+        <a:cs typeface=""/>
+        <a:font script="Jpan" typeface="游ゴシック"/>
+        <a:font script="Hang" typeface="맑은 고딕"/>
+        <a:font script="Hans" typeface="等线"/>
+        <a:font script="Hant" typeface="新細明體"/>
+        <a:font script="Arab" typeface="Arial"/>
+        <a:font script="Hebr" typeface="Arial"/>
+        <a:font script="Thai" typeface="Cordia New"/>
+        <a:font script="Ethi" typeface="Nyala"/>
+        <a:font script="Beng" typeface="Vrinda"/>
+        <a:font script="Gujr" typeface="Shruti"/>
+        <a:font script="Khmr" typeface="DaunPenh"/>
+        <a:font script="Knda" typeface="Tunga"/>
+        <a:font script="Guru" typeface="Raavi"/>
+        <a:font script="Cans" typeface="Euphemia"/>
+        <a:font script="Cher" typeface="Plantagenet Cherokee"/>
+        <a:font script="Yiii" typeface="Microsoft Yi Baiti"/>
+        <a:font script="Tibt" typeface="Microsoft Himalaya"/>
+        <a:font script="Thaa" typeface="MV Boli"/>
+        <a:font script="Deva" typeface="Mangal"/>
+        <a:font script="Telu" typeface="Gautami"/>
+        <a:font script="Taml" typeface="Latha"/>
+        <a:font script="Syrc" typeface="Estrangelo Edessa"/>
+        <a:font script="Orya" typeface="Kalinga"/>
+        <a:font script="Mlym" typeface="Kartika"/>
+        <a:font script="Laoo" typeface="DokChampa"/>
+        <a:font script="Sinh" typeface="Iskoola Pota"/>
+        <a:font script="Mong" typeface="Mongolian Baiti"/>
+        <a:font script="Viet" typeface="Arial"/>
+        <a:font script="Uigh" typeface="Microsoft Uighur"/>
+        <a:font script="Geor" typeface="Sylfaen"/>
+        <a:font script="Armn" typeface="Arial"/>
+        <a:font script="Bugi" typeface="Leelawadee UI"/>
+        <a:font script="Bopo" typeface="Microsoft JhengHei"/>
+        <a:font script="Java" typeface="Javanese Text"/>
+        <a:font script="Lisu" typeface="Segoe UI"/>
+        <a:font script="Mymr" typeface="Myanmar Text"/>
+        <a:font script="Nkoo" typeface="Ebrima"/>
+        <a:font script="Olck" typeface="Nirmala UI"/>
+        <a:font script="Osma" typeface="Ebrima"/>
+        <a:font script="Phag" typeface="Phagspa"/>
+        <a:font script="Syrn" typeface="Estrangelo Edessa"/>
+        <a:font script="Syrj" typeface="Estrangelo Edessa"/>
+        <a:font script="Syre" typeface="Estrangelo Edessa"/>
+        <a:font script="Sora" typeface="Nirmala UI"/>
+        <a:font script="Tale" typeface="Microsoft Tai Le"/>
+        <a:font script="Talu" typeface="Microsoft New Tai Lue"/>
+        <a:font script="Tfng" typeface="Ebrima"/>
+      </a:minorFont>
+    </a:fontScheme>
+    <a:fmtScheme name="Office">
+      <a:fillStyleLst>
+        <a:solidFill>
+          <a:schemeClr val="phClr"/>
+        </a:solidFill>
+        <a:gradFill rotWithShape="1">
+          <a:gsLst>
+            <a:gs pos="0">
+              <a:schemeClr val="phClr">
+                <a:lumMod val="110000"/>
+                <a:satMod val="105000"/>
+                <a:tint val="67000"/>
+              </a:schemeClr>
+            </a:gs>
+            <a:gs pos="50000">
+              <a:schemeClr val="phClr">
+                <a:lumMod val="105000"/>
+                <a:satMod val="103000"/>
+                <a:tint val="73000"/>
+              </a:schemeClr>
+            </a:gs>
+            <a:gs pos="100000">
+              <a:schemeClr val="phClr">
+                <a:lumMod val="105000"/>
+                <a:satMod val="109000"/>
+                <a:tint val="81000"/>
+              </a:schemeClr>
+            </a:gs>
+          </a:gsLst>
+          <a:lin ang="5400000" scaled="0"/>
+        </a:gradFill>
+        <a:gradFill rotWithShape="1">
+          <a:gsLst>
+            <a:gs pos="0">
+              <a:schemeClr val="phClr">
+                <a:satMod val="103000"/>
+                <a:lumMod val="102000"/>
+                <a:tint val="94000"/>
+              </a:schemeClr>
+            </a:gs>
+            <a:gs pos="50000">
+              <a:schemeClr val="phClr">
+                <a:satMod val="110000"/>
+                <a:lumMod val="100000"/>
+                <a:shade val="100000"/>
+              </a:schemeClr>
+            </a:gs>
+            <a:gs pos="100000">
+              <a:schemeClr val="phClr">
+                <a:lumMod val="99000"/>
+                <a:satMod val="120000"/>
+                <a:shade val="78000"/>
+              </a:schemeClr>
+            </a:gs>
+          </a:gsLst>
+          <a:lin ang="5400000" scaled="0"/>
+        </a:gradFill>
+      </a:fillStyleLst>
+      <a:lnStyleLst>
+        <a:ln w="6350" cap="flat" cmpd="sng" algn="ctr">
+          <a:solidFill>
+            <a:schemeClr val="phClr"/>
+          </a:solidFill>
+          <a:prstDash val="solid"/>
+          <a:miter lim="800000"/>
+        </a:ln>
+        <a:ln w="12700" cap="flat" cmpd="sng" algn="ctr">
+          <a:solidFill>
+            <a:schemeClr val="phClr"/>
+          </a:solidFill>
+          <a:prstDash val="solid"/>
+          <a:miter lim="800000"/>
+        </a:ln>
+        <a:ln w="19050" cap="flat" cmpd="sng" algn="ctr">
+          <a:solidFill>
+            <a:schemeClr val="phClr"/>
+          </a:solidFill>
+          <a:prstDash val="solid"/>
+          <a:miter lim="800000"/>
+        </a:ln>
+      </a:lnStyleLst>
+      <a:effectStyleLst>
+        <a:effectStyle>
+          <a:effectLst/>
+        </a:effectStyle>
+        <a:effectStyle>
+          <a:effectLst/>
+        </a:effectStyle>
+        <a:effectStyle>
+          <a:effectLst>
+            <a:outerShdw blurRad="57150" dist="19050" dir="5400000" algn="ctr" rotWithShape="0">
+              <a:srgbClr val="000000">
+                <a:alpha val="63000"/>
+              </a:srgbClr>
+            </a:outerShdw>
+          </a:effectLst>
+        </a:effectStyle>
+      </a:effectStyleLst>
+      <a:bgFillStyleLst>
+        <a:solidFill>
+          <a:schemeClr val="phClr"/>
+        </a:solidFill>
+        <a:solidFill>
+          <a:schemeClr val="phClr">
+            <a:tint val="95000"/>
+            <a:satMod val="170000"/>
+          </a:schemeClr>
+        </a:solidFill>
+        <a:gradFill rotWithShape="1">
+          <a:gsLst>
+            <a:gs pos="0">
+              <a:schemeClr val="phClr">
+                <a:tint val="93000"/>
+                <a:satMod val="150000"/>
+                <a:shade val="98000"/>
+                <a:lumMod val="102000"/>
+              </a:schemeClr>
+            </a:gs>
+            <a:gs pos="50000">
+              <a:schemeClr val="phClr">
+                <a:tint val="98000"/>
+                <a:satMod val="130000"/>
+                <a:shade val="90000"/>
+                <a:lumMod val="103000"/>
+              </a:schemeClr>
+            </a:gs>
+            <a:gs pos="100000">
+              <a:schemeClr val="phClr">
+                <a:shade val="63000"/>
+                <a:satMod val="120000"/>
+              </a:schemeClr>
+            </a:gs>
+          </a:gsLst>
+          <a:lin ang="5400000" scaled="0"/>
+        </a:gradFill>
+      </a:bgFillStyleLst>
+    </a:fmtScheme>
+  </a:themeElements>
+  <a:objectDefaults/>
+  <a:extraClrSchemeLst/>
+  <a:extLst>
+    <a:ext uri="{05A4C25C-085E-4340-85A3-A5531E510DB2}">
+      <thm15:themeFamily xmlns:thm15="http://schemas.microsoft.com/office/thememl/2012/main" name="Office Theme" id="{62F939B6-93AF-4DB8-9C6B-D6C7DFDC589F}" vid="{4A3C46E8-61CC-4603-A589-7422A47A8E4A}"/>
+    </a:ext>
+  </a:extLst>
+</a:theme>
 </file>